--- a/Creating a VR project.pptx
+++ b/Creating a VR project.pptx
@@ -5,7 +5,7 @@
     <p:sldMasterId id="2147483648" r:id="rId1"/>
   </p:sldMasterIdLst>
   <p:notesMasterIdLst>
-    <p:notesMasterId r:id="rId16"/>
+    <p:notesMasterId r:id="rId15"/>
   </p:notesMasterIdLst>
   <p:sldIdLst>
     <p:sldId id="257" r:id="rId2"/>
@@ -19,9 +19,8 @@
     <p:sldId id="264" r:id="rId10"/>
     <p:sldId id="266" r:id="rId11"/>
     <p:sldId id="265" r:id="rId12"/>
-    <p:sldId id="267" r:id="rId13"/>
-    <p:sldId id="270" r:id="rId14"/>
-    <p:sldId id="271" r:id="rId15"/>
+    <p:sldId id="270" r:id="rId13"/>
+    <p:sldId id="271" r:id="rId14"/>
   </p:sldIdLst>
   <p:sldSz cx="12192000" cy="6858000"/>
   <p:notesSz cx="6858000" cy="9144000"/>
@@ -210,7 +209,7 @@
           <a:p>
             <a:fld id="{7AF70956-991C-42DF-A7C4-A6ECB5827B78}" type="datetimeFigureOut">
               <a:rPr lang="en-US" smtClean="0"/>
-              <a:t>8/6/2019</a:t>
+              <a:t>8/7/2019</a:t>
             </a:fld>
             <a:endParaRPr lang="en-US"/>
           </a:p>
@@ -731,7 +730,7 @@
     </p:spTree>
     <p:extLst>
       <p:ext uri="{BB962C8B-B14F-4D97-AF65-F5344CB8AC3E}">
-        <p14:creationId xmlns:p14="http://schemas.microsoft.com/office/powerpoint/2010/main" val="3884187714"/>
+        <p14:creationId xmlns:p14="http://schemas.microsoft.com/office/powerpoint/2010/main" val="8982084"/>
       </p:ext>
     </p:extLst>
   </p:cSld>
@@ -811,94 +810,6 @@
             <a:fld id="{2380A0F6-88F5-4CA1-A203-AE5C69361B45}" type="slidenum">
               <a:rPr lang="en-US" smtClean="0"/>
               <a:t>13</a:t>
-            </a:fld>
-            <a:endParaRPr lang="en-US"/>
-          </a:p>
-        </p:txBody>
-      </p:sp>
-    </p:spTree>
-    <p:extLst>
-      <p:ext uri="{BB962C8B-B14F-4D97-AF65-F5344CB8AC3E}">
-        <p14:creationId xmlns:p14="http://schemas.microsoft.com/office/powerpoint/2010/main" val="8982084"/>
-      </p:ext>
-    </p:extLst>
-  </p:cSld>
-  <p:clrMapOvr>
-    <a:masterClrMapping/>
-  </p:clrMapOvr>
-</p:notes>
-</file>
-
-<file path=ppt/notesSlides/notesSlide13.xml><?xml version="1.0" encoding="utf-8"?>
-<p:notes xmlns:a="http://schemas.openxmlformats.org/drawingml/2006/main" xmlns:r="http://schemas.openxmlformats.org/officeDocument/2006/relationships" xmlns:p="http://schemas.openxmlformats.org/presentationml/2006/main">
-  <p:cSld>
-    <p:spTree>
-      <p:nvGrpSpPr>
-        <p:cNvPr id="1" name=""/>
-        <p:cNvGrpSpPr/>
-        <p:nvPr/>
-      </p:nvGrpSpPr>
-      <p:grpSpPr>
-        <a:xfrm>
-          <a:off x="0" y="0"/>
-          <a:ext cx="0" cy="0"/>
-          <a:chOff x="0" y="0"/>
-          <a:chExt cx="0" cy="0"/>
-        </a:xfrm>
-      </p:grpSpPr>
-      <p:sp>
-        <p:nvSpPr>
-          <p:cNvPr id="2" name="Slide Image Placeholder 1"/>
-          <p:cNvSpPr>
-            <a:spLocks noGrp="1" noRot="1" noChangeAspect="1"/>
-          </p:cNvSpPr>
-          <p:nvPr>
-            <p:ph type="sldImg"/>
-          </p:nvPr>
-        </p:nvSpPr>
-        <p:spPr/>
-      </p:sp>
-      <p:sp>
-        <p:nvSpPr>
-          <p:cNvPr id="3" name="Notes Placeholder 2"/>
-          <p:cNvSpPr>
-            <a:spLocks noGrp="1"/>
-          </p:cNvSpPr>
-          <p:nvPr>
-            <p:ph type="body" idx="1"/>
-          </p:nvPr>
-        </p:nvSpPr>
-        <p:spPr/>
-        <p:txBody>
-          <a:bodyPr/>
-          <a:lstStyle/>
-          <a:p>
-            <a:pPr marL="0" indent="0">
-              <a:buFontTx/>
-              <a:buNone/>
-            </a:pPr>
-            <a:endParaRPr lang="en-US" dirty="0"/>
-          </a:p>
-        </p:txBody>
-      </p:sp>
-      <p:sp>
-        <p:nvSpPr>
-          <p:cNvPr id="4" name="Slide Number Placeholder 3"/>
-          <p:cNvSpPr>
-            <a:spLocks noGrp="1"/>
-          </p:cNvSpPr>
-          <p:nvPr>
-            <p:ph type="sldNum" sz="quarter" idx="5"/>
-          </p:nvPr>
-        </p:nvSpPr>
-        <p:spPr/>
-        <p:txBody>
-          <a:bodyPr/>
-          <a:lstStyle/>
-          <a:p>
-            <a:fld id="{2380A0F6-88F5-4CA1-A203-AE5C69361B45}" type="slidenum">
-              <a:rPr lang="en-US" smtClean="0"/>
-              <a:t>14</a:t>
             </a:fld>
             <a:endParaRPr lang="en-US"/>
           </a:p>
@@ -1750,7 +1661,7 @@
           <a:p>
             <a:fld id="{DADCDD77-40F5-114D-9C30-81F19986EF1E}" type="datetimeFigureOut">
               <a:rPr lang="en-US" smtClean="0"/>
-              <a:t>8/6/2019</a:t>
+              <a:t>8/7/2019</a:t>
             </a:fld>
             <a:endParaRPr lang="en-US"/>
           </a:p>
@@ -1918,7 +1829,7 @@
           <a:p>
             <a:fld id="{DADCDD77-40F5-114D-9C30-81F19986EF1E}" type="datetimeFigureOut">
               <a:rPr lang="en-US" smtClean="0"/>
-              <a:t>8/6/2019</a:t>
+              <a:t>8/7/2019</a:t>
             </a:fld>
             <a:endParaRPr lang="en-US"/>
           </a:p>
@@ -2096,7 +2007,7 @@
           <a:p>
             <a:fld id="{DADCDD77-40F5-114D-9C30-81F19986EF1E}" type="datetimeFigureOut">
               <a:rPr lang="en-US" smtClean="0"/>
-              <a:t>8/6/2019</a:t>
+              <a:t>8/7/2019</a:t>
             </a:fld>
             <a:endParaRPr lang="en-US"/>
           </a:p>
@@ -2264,7 +2175,7 @@
           <a:p>
             <a:fld id="{DADCDD77-40F5-114D-9C30-81F19986EF1E}" type="datetimeFigureOut">
               <a:rPr lang="en-US" smtClean="0"/>
-              <a:t>8/6/2019</a:t>
+              <a:t>8/7/2019</a:t>
             </a:fld>
             <a:endParaRPr lang="en-US"/>
           </a:p>
@@ -2509,7 +2420,7 @@
           <a:p>
             <a:fld id="{DADCDD77-40F5-114D-9C30-81F19986EF1E}" type="datetimeFigureOut">
               <a:rPr lang="en-US" smtClean="0"/>
-              <a:t>8/6/2019</a:t>
+              <a:t>8/7/2019</a:t>
             </a:fld>
             <a:endParaRPr lang="en-US"/>
           </a:p>
@@ -2738,7 +2649,7 @@
           <a:p>
             <a:fld id="{DADCDD77-40F5-114D-9C30-81F19986EF1E}" type="datetimeFigureOut">
               <a:rPr lang="en-US" smtClean="0"/>
-              <a:t>8/6/2019</a:t>
+              <a:t>8/7/2019</a:t>
             </a:fld>
             <a:endParaRPr lang="en-US"/>
           </a:p>
@@ -3102,7 +3013,7 @@
           <a:p>
             <a:fld id="{DADCDD77-40F5-114D-9C30-81F19986EF1E}" type="datetimeFigureOut">
               <a:rPr lang="en-US" smtClean="0"/>
-              <a:t>8/6/2019</a:t>
+              <a:t>8/7/2019</a:t>
             </a:fld>
             <a:endParaRPr lang="en-US"/>
           </a:p>
@@ -3219,7 +3130,7 @@
           <a:p>
             <a:fld id="{DADCDD77-40F5-114D-9C30-81F19986EF1E}" type="datetimeFigureOut">
               <a:rPr lang="en-US" smtClean="0"/>
-              <a:t>8/6/2019</a:t>
+              <a:t>8/7/2019</a:t>
             </a:fld>
             <a:endParaRPr lang="en-US"/>
           </a:p>
@@ -3314,7 +3225,7 @@
           <a:p>
             <a:fld id="{DADCDD77-40F5-114D-9C30-81F19986EF1E}" type="datetimeFigureOut">
               <a:rPr lang="en-US" smtClean="0"/>
-              <a:t>8/6/2019</a:t>
+              <a:t>8/7/2019</a:t>
             </a:fld>
             <a:endParaRPr lang="en-US"/>
           </a:p>
@@ -3589,7 +3500,7 @@
           <a:p>
             <a:fld id="{DADCDD77-40F5-114D-9C30-81F19986EF1E}" type="datetimeFigureOut">
               <a:rPr lang="en-US" smtClean="0"/>
-              <a:t>8/6/2019</a:t>
+              <a:t>8/7/2019</a:t>
             </a:fld>
             <a:endParaRPr lang="en-US"/>
           </a:p>
@@ -3841,7 +3752,7 @@
           <a:p>
             <a:fld id="{DADCDD77-40F5-114D-9C30-81F19986EF1E}" type="datetimeFigureOut">
               <a:rPr lang="en-US" smtClean="0"/>
-              <a:t>8/6/2019</a:t>
+              <a:t>8/7/2019</a:t>
             </a:fld>
             <a:endParaRPr lang="en-US"/>
           </a:p>
@@ -4052,7 +3963,7 @@
           <a:p>
             <a:fld id="{DADCDD77-40F5-114D-9C30-81F19986EF1E}" type="datetimeFigureOut">
               <a:rPr lang="en-US" smtClean="0"/>
-              <a:t>8/6/2019</a:t>
+              <a:t>8/7/2019</a:t>
             </a:fld>
             <a:endParaRPr lang="en-US"/>
           </a:p>
@@ -5300,7 +5211,7 @@
                 <a:latin typeface="Avenir Book"/>
                 <a:cs typeface="Courier New" panose="02070309020205020404" pitchFamily="49" charset="0"/>
               </a:rPr>
-              <a:t>Associated the function you created to one of the event trigger</a:t>
+              <a:t>Associate the function you created to one of the event trigger</a:t>
             </a:r>
           </a:p>
           <a:p>
@@ -5442,7 +5353,7 @@
         </p:blipFill>
         <p:spPr>
           <a:xfrm>
-            <a:off x="0" y="0"/>
+            <a:off x="0" y="-14204"/>
             <a:ext cx="12217252" cy="6872204"/>
           </a:xfrm>
           <a:prstGeom prst="rect">
@@ -5481,7 +5392,7 @@
                 <a:ea typeface="Avenir Heavy" charset="0"/>
                 <a:cs typeface="Avenir Heavy" charset="0"/>
               </a:rPr>
-              <a:t>Handling input</a:t>
+              <a:t>Creating your VR app</a:t>
             </a:r>
           </a:p>
         </p:txBody>
@@ -5686,7 +5597,31 @@
               <a:rPr lang="en-US" dirty="0">
                 <a:latin typeface="Avenir Book"/>
               </a:rPr>
-              <a:t>Add an Event Trigger component to your object</a:t>
+              <a:t>Work on a VR app of your design</a:t>
+            </a:r>
+          </a:p>
+          <a:p>
+            <a:pPr marL="800100" lvl="1" indent="-342900" algn="l">
+              <a:buFont typeface="Arial" panose="020B0604020202020204" pitchFamily="34" charset="0"/>
+              <a:buChar char="•"/>
+            </a:pPr>
+            <a:r>
+              <a:rPr lang="en-US" dirty="0">
+                <a:latin typeface="Avenir Book"/>
+              </a:rPr>
+              <a:t>Arrange objects in a scene that will be visualized in VR</a:t>
+            </a:r>
+          </a:p>
+          <a:p>
+            <a:pPr marL="800100" lvl="1" indent="-342900" algn="l">
+              <a:buFont typeface="Arial" panose="020B0604020202020204" pitchFamily="34" charset="0"/>
+              <a:buChar char="•"/>
+            </a:pPr>
+            <a:r>
+              <a:rPr lang="en-US" dirty="0">
+                <a:latin typeface="Avenir Book"/>
+              </a:rPr>
+              <a:t>Make the objects respond to inputs (e.g., pointer enter and exit, pointer click, etc.)</a:t>
             </a:r>
           </a:p>
           <a:p>
@@ -5694,12 +5629,22 @@
               <a:buFont typeface="Arial" panose="020B0604020202020204" pitchFamily="34" charset="0"/>
               <a:buChar char="•"/>
             </a:pPr>
+            <a:endParaRPr lang="en-US" dirty="0">
+              <a:latin typeface="Avenir Book"/>
+              <a:cs typeface="Courier New" panose="02070309020205020404" pitchFamily="49" charset="0"/>
+            </a:endParaRPr>
+          </a:p>
+          <a:p>
+            <a:pPr marL="342900" indent="-342900" algn="l">
+              <a:buFont typeface="Arial" panose="020B0604020202020204" pitchFamily="34" charset="0"/>
+              <a:buChar char="•"/>
+            </a:pPr>
             <a:r>
               <a:rPr lang="en-US" dirty="0">
                 <a:latin typeface="Avenir Book"/>
                 <a:cs typeface="Courier New" panose="02070309020205020404" pitchFamily="49" charset="0"/>
               </a:rPr>
-              <a:t>Associated the function you created to one of the event trigger</a:t>
+              <a:t>Create a VR version of your Roll-a-ball game</a:t>
             </a:r>
           </a:p>
           <a:p>
@@ -5712,7 +5657,20 @@
                 <a:latin typeface="Avenir Book"/>
                 <a:cs typeface="Courier New" panose="02070309020205020404" pitchFamily="49" charset="0"/>
               </a:rPr>
-              <a:t>For example “Pointer Click”</a:t>
+              <a:t>May be useful to know when handling user inputs:</a:t>
+            </a:r>
+          </a:p>
+          <a:p>
+            <a:pPr marL="1257300" lvl="2" indent="-342900" algn="l">
+              <a:buFont typeface="Arial" panose="020B0604020202020204" pitchFamily="34" charset="0"/>
+              <a:buChar char="•"/>
+            </a:pPr>
+            <a:r>
+              <a:rPr lang="en-US" dirty="0">
+                <a:latin typeface="Avenir Book"/>
+                <a:cs typeface="Courier New" panose="02070309020205020404" pitchFamily="49" charset="0"/>
+              </a:rPr>
+              <a:t>Functions that are triggered by the “Pointer Click” event can receive data that provide the position where the user clicked:</a:t>
             </a:r>
             <a:endParaRPr lang="en-US" dirty="0">
               <a:latin typeface="Courier New" panose="02070309020205020404" pitchFamily="49" charset="0"/>
@@ -5723,10 +5681,10 @@
       </p:sp>
       <p:pic>
         <p:nvPicPr>
-          <p:cNvPr id="9" name="Picture 8">
+          <p:cNvPr id="5" name="Picture 4">
             <a:extLst>
               <a:ext uri="{FF2B5EF4-FFF2-40B4-BE49-F238E27FC236}">
-                <a16:creationId xmlns:a16="http://schemas.microsoft.com/office/drawing/2014/main" id="{1A7E9D10-F90C-4306-A148-4B2F462D50D7}"/>
+                <a16:creationId xmlns:a16="http://schemas.microsoft.com/office/drawing/2014/main" id="{8D147D21-C57B-4F5B-932A-17973F701D19}"/>
               </a:ext>
             </a:extLst>
           </p:cNvPr>
@@ -5743,393 +5701,44 @@
         </p:blipFill>
         <p:spPr>
           <a:xfrm>
-            <a:off x="2619375" y="3348581"/>
-            <a:ext cx="6953250" cy="2162675"/>
+            <a:off x="1524000" y="4690775"/>
+            <a:ext cx="5319713" cy="1111837"/>
           </a:xfrm>
           <a:prstGeom prst="rect">
             <a:avLst/>
           </a:prstGeom>
         </p:spPr>
       </p:pic>
-    </p:spTree>
-    <p:extLst>
-      <p:ext uri="{BB962C8B-B14F-4D97-AF65-F5344CB8AC3E}">
-        <p14:creationId xmlns:p14="http://schemas.microsoft.com/office/powerpoint/2010/main" val="3493657921"/>
-      </p:ext>
-    </p:extLst>
-  </p:cSld>
-  <p:clrMapOvr>
-    <a:masterClrMapping/>
-  </p:clrMapOvr>
-</p:sld>
-</file>
-
-<file path=ppt/slides/slide13.xml><?xml version="1.0" encoding="utf-8"?>
-<p:sld xmlns:a="http://schemas.openxmlformats.org/drawingml/2006/main" xmlns:r="http://schemas.openxmlformats.org/officeDocument/2006/relationships" xmlns:p="http://schemas.openxmlformats.org/presentationml/2006/main">
-  <p:cSld>
-    <p:spTree>
-      <p:nvGrpSpPr>
-        <p:cNvPr id="1" name=""/>
-        <p:cNvGrpSpPr/>
-        <p:nvPr/>
-      </p:nvGrpSpPr>
-      <p:grpSpPr>
-        <a:xfrm>
-          <a:off x="0" y="0"/>
-          <a:ext cx="0" cy="0"/>
-          <a:chOff x="0" y="0"/>
-          <a:chExt cx="0" cy="0"/>
-        </a:xfrm>
-      </p:grpSpPr>
-      <p:sp>
-        <p:nvSpPr>
-          <p:cNvPr id="2" name="Title 1"/>
-          <p:cNvSpPr>
-            <a:spLocks noGrp="1"/>
-          </p:cNvSpPr>
-          <p:nvPr>
-            <p:ph type="ctrTitle"/>
-          </p:nvPr>
-        </p:nvSpPr>
-        <p:spPr/>
-        <p:txBody>
-          <a:bodyPr/>
-          <a:lstStyle/>
-          <a:p>
-            <a:endParaRPr lang="en-US"/>
-          </a:p>
-        </p:txBody>
-      </p:sp>
-      <p:sp>
-        <p:nvSpPr>
-          <p:cNvPr id="3" name="Subtitle 2"/>
-          <p:cNvSpPr>
-            <a:spLocks noGrp="1"/>
-          </p:cNvSpPr>
-          <p:nvPr>
-            <p:ph type="subTitle" idx="1"/>
-          </p:nvPr>
-        </p:nvSpPr>
-        <p:spPr/>
-        <p:txBody>
-          <a:bodyPr/>
-          <a:lstStyle/>
-          <a:p>
-            <a:endParaRPr lang="en-US"/>
-          </a:p>
-        </p:txBody>
-      </p:sp>
       <p:pic>
         <p:nvPicPr>
-          <p:cNvPr id="4" name="Picture 3"/>
+          <p:cNvPr id="8" name="Picture 7">
+            <a:extLst>
+              <a:ext uri="{FF2B5EF4-FFF2-40B4-BE49-F238E27FC236}">
+                <a16:creationId xmlns:a16="http://schemas.microsoft.com/office/drawing/2014/main" id="{D475B990-A7D6-492D-8543-A2732D9A4289}"/>
+              </a:ext>
+            </a:extLst>
+          </p:cNvPr>
           <p:cNvPicPr>
             <a:picLocks noChangeAspect="1"/>
           </p:cNvPicPr>
           <p:nvPr/>
         </p:nvPicPr>
         <p:blipFill>
-          <a:blip r:embed="rId3">
-            <a:extLst>
-              <a:ext uri="{28A0092B-C50C-407E-A947-70E740481C1C}">
-                <a14:useLocalDpi xmlns:a14="http://schemas.microsoft.com/office/drawing/2010/main" val="0"/>
-              </a:ext>
-            </a:extLst>
-          </a:blip>
+          <a:blip r:embed="rId5"/>
           <a:stretch>
             <a:fillRect/>
           </a:stretch>
         </p:blipFill>
         <p:spPr>
           <a:xfrm>
-            <a:off x="0" y="0"/>
-            <a:ext cx="12217252" cy="6872204"/>
+            <a:off x="7737041" y="4485392"/>
+            <a:ext cx="4229820" cy="2057750"/>
           </a:xfrm>
           <a:prstGeom prst="rect">
             <a:avLst/>
           </a:prstGeom>
         </p:spPr>
       </p:pic>
-      <p:sp>
-        <p:nvSpPr>
-          <p:cNvPr id="6" name="TextBox 5"/>
-          <p:cNvSpPr txBox="1"/>
-          <p:nvPr/>
-        </p:nvSpPr>
-        <p:spPr>
-          <a:xfrm>
-            <a:off x="744109" y="508487"/>
-            <a:ext cx="9032682" cy="707886"/>
-          </a:xfrm>
-          <a:prstGeom prst="rect">
-            <a:avLst/>
-          </a:prstGeom>
-          <a:noFill/>
-        </p:spPr>
-        <p:txBody>
-          <a:bodyPr wrap="square" rtlCol="0">
-            <a:spAutoFit/>
-          </a:bodyPr>
-          <a:lstStyle/>
-          <a:p>
-            <a:r>
-              <a:rPr lang="en-US" sz="4000" b="1" dirty="0">
-                <a:solidFill>
-                  <a:schemeClr val="bg1"/>
-                </a:solidFill>
-                <a:latin typeface="Avenir Heavy" charset="0"/>
-                <a:ea typeface="Avenir Heavy" charset="0"/>
-                <a:cs typeface="Avenir Heavy" charset="0"/>
-              </a:rPr>
-              <a:t>Creating your VR app</a:t>
-            </a:r>
-          </a:p>
-        </p:txBody>
-      </p:sp>
-      <p:sp>
-        <p:nvSpPr>
-          <p:cNvPr id="10" name="Content Placeholder 2">
-            <a:extLst>
-              <a:ext uri="{FF2B5EF4-FFF2-40B4-BE49-F238E27FC236}">
-                <a16:creationId xmlns:a16="http://schemas.microsoft.com/office/drawing/2014/main" id="{0B2E8205-4C7B-4664-B4F1-D8A605602B43}"/>
-              </a:ext>
-            </a:extLst>
-          </p:cNvPr>
-          <p:cNvSpPr txBox="1">
-            <a:spLocks/>
-          </p:cNvSpPr>
-          <p:nvPr/>
-        </p:nvSpPr>
-        <p:spPr>
-          <a:xfrm>
-            <a:off x="838199" y="1611306"/>
-            <a:ext cx="10720389" cy="4351338"/>
-          </a:xfrm>
-          <a:prstGeom prst="rect">
-            <a:avLst/>
-          </a:prstGeom>
-        </p:spPr>
-        <p:txBody>
-          <a:bodyPr vert="horz" lIns="91440" tIns="45720" rIns="91440" bIns="45720" rtlCol="0">
-            <a:normAutofit/>
-          </a:bodyPr>
-          <a:lstStyle>
-            <a:lvl1pPr marL="0" indent="0" algn="ctr" defTabSz="914400" rtl="0" eaLnBrk="1" latinLnBrk="0" hangingPunct="1">
-              <a:lnSpc>
-                <a:spcPct val="90000"/>
-              </a:lnSpc>
-              <a:spcBef>
-                <a:spcPts val="1000"/>
-              </a:spcBef>
-              <a:buFont typeface="Arial"/>
-              <a:buNone/>
-              <a:defRPr sz="2400" kern="1200">
-                <a:solidFill>
-                  <a:schemeClr val="tx1"/>
-                </a:solidFill>
-                <a:latin typeface="+mn-lt"/>
-                <a:ea typeface="+mn-ea"/>
-                <a:cs typeface="+mn-cs"/>
-              </a:defRPr>
-            </a:lvl1pPr>
-            <a:lvl2pPr marL="457200" indent="0" algn="ctr" defTabSz="914400" rtl="0" eaLnBrk="1" latinLnBrk="0" hangingPunct="1">
-              <a:lnSpc>
-                <a:spcPct val="90000"/>
-              </a:lnSpc>
-              <a:spcBef>
-                <a:spcPts val="500"/>
-              </a:spcBef>
-              <a:buFont typeface="Arial"/>
-              <a:buNone/>
-              <a:defRPr sz="2000" kern="1200">
-                <a:solidFill>
-                  <a:schemeClr val="tx1"/>
-                </a:solidFill>
-                <a:latin typeface="+mn-lt"/>
-                <a:ea typeface="+mn-ea"/>
-                <a:cs typeface="+mn-cs"/>
-              </a:defRPr>
-            </a:lvl2pPr>
-            <a:lvl3pPr marL="914400" indent="0" algn="ctr" defTabSz="914400" rtl="0" eaLnBrk="1" latinLnBrk="0" hangingPunct="1">
-              <a:lnSpc>
-                <a:spcPct val="90000"/>
-              </a:lnSpc>
-              <a:spcBef>
-                <a:spcPts val="500"/>
-              </a:spcBef>
-              <a:buFont typeface="Arial"/>
-              <a:buNone/>
-              <a:defRPr sz="1800" kern="1200">
-                <a:solidFill>
-                  <a:schemeClr val="tx1"/>
-                </a:solidFill>
-                <a:latin typeface="+mn-lt"/>
-                <a:ea typeface="+mn-ea"/>
-                <a:cs typeface="+mn-cs"/>
-              </a:defRPr>
-            </a:lvl3pPr>
-            <a:lvl4pPr marL="1371600" indent="0" algn="ctr" defTabSz="914400" rtl="0" eaLnBrk="1" latinLnBrk="0" hangingPunct="1">
-              <a:lnSpc>
-                <a:spcPct val="90000"/>
-              </a:lnSpc>
-              <a:spcBef>
-                <a:spcPts val="500"/>
-              </a:spcBef>
-              <a:buFont typeface="Arial"/>
-              <a:buNone/>
-              <a:defRPr sz="1600" kern="1200">
-                <a:solidFill>
-                  <a:schemeClr val="tx1"/>
-                </a:solidFill>
-                <a:latin typeface="+mn-lt"/>
-                <a:ea typeface="+mn-ea"/>
-                <a:cs typeface="+mn-cs"/>
-              </a:defRPr>
-            </a:lvl4pPr>
-            <a:lvl5pPr marL="1828800" indent="0" algn="ctr" defTabSz="914400" rtl="0" eaLnBrk="1" latinLnBrk="0" hangingPunct="1">
-              <a:lnSpc>
-                <a:spcPct val="90000"/>
-              </a:lnSpc>
-              <a:spcBef>
-                <a:spcPts val="500"/>
-              </a:spcBef>
-              <a:buFont typeface="Arial"/>
-              <a:buNone/>
-              <a:defRPr sz="1600" kern="1200">
-                <a:solidFill>
-                  <a:schemeClr val="tx1"/>
-                </a:solidFill>
-                <a:latin typeface="+mn-lt"/>
-                <a:ea typeface="+mn-ea"/>
-                <a:cs typeface="+mn-cs"/>
-              </a:defRPr>
-            </a:lvl5pPr>
-            <a:lvl6pPr marL="2286000" indent="0" algn="ctr" defTabSz="914400" rtl="0" eaLnBrk="1" latinLnBrk="0" hangingPunct="1">
-              <a:lnSpc>
-                <a:spcPct val="90000"/>
-              </a:lnSpc>
-              <a:spcBef>
-                <a:spcPts val="500"/>
-              </a:spcBef>
-              <a:buFont typeface="Arial"/>
-              <a:buNone/>
-              <a:defRPr sz="1600" kern="1200">
-                <a:solidFill>
-                  <a:schemeClr val="tx1"/>
-                </a:solidFill>
-                <a:latin typeface="+mn-lt"/>
-                <a:ea typeface="+mn-ea"/>
-                <a:cs typeface="+mn-cs"/>
-              </a:defRPr>
-            </a:lvl6pPr>
-            <a:lvl7pPr marL="2743200" indent="0" algn="ctr" defTabSz="914400" rtl="0" eaLnBrk="1" latinLnBrk="0" hangingPunct="1">
-              <a:lnSpc>
-                <a:spcPct val="90000"/>
-              </a:lnSpc>
-              <a:spcBef>
-                <a:spcPts val="500"/>
-              </a:spcBef>
-              <a:buFont typeface="Arial"/>
-              <a:buNone/>
-              <a:defRPr sz="1600" kern="1200">
-                <a:solidFill>
-                  <a:schemeClr val="tx1"/>
-                </a:solidFill>
-                <a:latin typeface="+mn-lt"/>
-                <a:ea typeface="+mn-ea"/>
-                <a:cs typeface="+mn-cs"/>
-              </a:defRPr>
-            </a:lvl7pPr>
-            <a:lvl8pPr marL="3200400" indent="0" algn="ctr" defTabSz="914400" rtl="0" eaLnBrk="1" latinLnBrk="0" hangingPunct="1">
-              <a:lnSpc>
-                <a:spcPct val="90000"/>
-              </a:lnSpc>
-              <a:spcBef>
-                <a:spcPts val="500"/>
-              </a:spcBef>
-              <a:buFont typeface="Arial"/>
-              <a:buNone/>
-              <a:defRPr sz="1600" kern="1200">
-                <a:solidFill>
-                  <a:schemeClr val="tx1"/>
-                </a:solidFill>
-                <a:latin typeface="+mn-lt"/>
-                <a:ea typeface="+mn-ea"/>
-                <a:cs typeface="+mn-cs"/>
-              </a:defRPr>
-            </a:lvl8pPr>
-            <a:lvl9pPr marL="3657600" indent="0" algn="ctr" defTabSz="914400" rtl="0" eaLnBrk="1" latinLnBrk="0" hangingPunct="1">
-              <a:lnSpc>
-                <a:spcPct val="90000"/>
-              </a:lnSpc>
-              <a:spcBef>
-                <a:spcPts val="500"/>
-              </a:spcBef>
-              <a:buFont typeface="Arial"/>
-              <a:buNone/>
-              <a:defRPr sz="1600" kern="1200">
-                <a:solidFill>
-                  <a:schemeClr val="tx1"/>
-                </a:solidFill>
-                <a:latin typeface="+mn-lt"/>
-                <a:ea typeface="+mn-ea"/>
-                <a:cs typeface="+mn-cs"/>
-              </a:defRPr>
-            </a:lvl9pPr>
-          </a:lstStyle>
-          <a:p>
-            <a:pPr marL="342900" indent="-342900" algn="l">
-              <a:buFont typeface="Arial" panose="020B0604020202020204" pitchFamily="34" charset="0"/>
-              <a:buChar char="•"/>
-            </a:pPr>
-            <a:r>
-              <a:rPr lang="en-US" dirty="0">
-                <a:latin typeface="Avenir Book"/>
-              </a:rPr>
-              <a:t>Work on a VR app of your design</a:t>
-            </a:r>
-          </a:p>
-          <a:p>
-            <a:pPr marL="342900" indent="-342900" algn="l">
-              <a:buFont typeface="Arial" panose="020B0604020202020204" pitchFamily="34" charset="0"/>
-              <a:buChar char="•"/>
-            </a:pPr>
-            <a:endParaRPr lang="en-US" dirty="0">
-              <a:latin typeface="Avenir Book"/>
-              <a:cs typeface="Courier New" panose="02070309020205020404" pitchFamily="49" charset="0"/>
-            </a:endParaRPr>
-          </a:p>
-          <a:p>
-            <a:pPr marL="342900" indent="-342900" algn="l">
-              <a:buFont typeface="Arial" panose="020B0604020202020204" pitchFamily="34" charset="0"/>
-              <a:buChar char="•"/>
-            </a:pPr>
-            <a:r>
-              <a:rPr lang="en-US" dirty="0">
-                <a:latin typeface="Avenir Book"/>
-                <a:cs typeface="Courier New" panose="02070309020205020404" pitchFamily="49" charset="0"/>
-              </a:rPr>
-              <a:t>Possible project:</a:t>
-            </a:r>
-          </a:p>
-          <a:p>
-            <a:pPr marL="800100" lvl="1" indent="-342900" algn="l">
-              <a:buFont typeface="Arial" panose="020B0604020202020204" pitchFamily="34" charset="0"/>
-              <a:buChar char="•"/>
-            </a:pPr>
-            <a:r>
-              <a:rPr lang="en-US" dirty="0">
-                <a:latin typeface="Avenir Book"/>
-                <a:cs typeface="Courier New" panose="02070309020205020404" pitchFamily="49" charset="0"/>
-              </a:rPr>
-              <a:t>Create a VR version of your Roll-a-ball game</a:t>
-            </a:r>
-            <a:endParaRPr lang="en-US" dirty="0">
-              <a:latin typeface="Courier New" panose="02070309020205020404" pitchFamily="49" charset="0"/>
-              <a:cs typeface="Courier New" panose="02070309020205020404" pitchFamily="49" charset="0"/>
-            </a:endParaRPr>
-          </a:p>
-        </p:txBody>
-      </p:sp>
     </p:spTree>
     <p:extLst>
       <p:ext uri="{BB962C8B-B14F-4D97-AF65-F5344CB8AC3E}">
@@ -6143,7 +5752,7 @@
 </p:sld>
 </file>
 
-<file path=ppt/slides/slide14.xml><?xml version="1.0" encoding="utf-8"?>
+<file path=ppt/slides/slide13.xml><?xml version="1.0" encoding="utf-8"?>
 <p:sld xmlns:a="http://schemas.openxmlformats.org/drawingml/2006/main" xmlns:r="http://schemas.openxmlformats.org/officeDocument/2006/relationships" xmlns:p="http://schemas.openxmlformats.org/presentationml/2006/main">
   <p:cSld>
     <p:spTree>
@@ -8114,7 +7723,7 @@
               <a:rPr lang="en-US" dirty="0">
                 <a:latin typeface="Avenir Book"/>
               </a:rPr>
-              <a:t>Deselect the files associated with the demo</a:t>
+              <a:t>Unselect the files associated with the demo</a:t>
             </a:r>
           </a:p>
           <a:p>
